--- a/ppt/ch02_C++简单程序设计.pptx
+++ b/ppt/ch02_C++简单程序设计.pptx
@@ -152,6 +152,22 @@
       </a:defRPr>
     </a:lvl9pPr>
   </p:defaultTextStyle>
+  <p:extLst>
+    <p:ext uri="{EFAFB233-063F-42B5-8137-9DF3F51BA10A}">
+      <p15:sldGuideLst xmlns:p15="http://schemas.microsoft.com/office/powerpoint/2012/main">
+        <p15:guide id="1" orient="horz" pos="2160" userDrawn="1">
+          <p15:clr>
+            <a:srgbClr val="A4A3A4"/>
+          </p15:clr>
+        </p15:guide>
+        <p15:guide id="2" pos="2880" userDrawn="1">
+          <p15:clr>
+            <a:srgbClr val="A4A3A4"/>
+          </p15:clr>
+        </p15:guide>
+      </p15:sldGuideLst>
+    </p:ext>
+  </p:extLst>
 </p:presentation>
 </file>
 
@@ -14948,12 +14964,22 @@
           <a:p>
             <a:r>
               <a:rPr lang="en-US" altLang="zh-CN" dirty="0" err="1" smtClean="0"/>
+              <a:t>#define N 3</a:t>
+            </a:r>
+            <a:endParaRPr lang="en-US" altLang="zh-CN" dirty="0" err="1" smtClean="0"/>
+          </a:p>
+          <a:p>
+            <a:r>
+              <a:rPr lang="en-US" altLang="zh-CN" dirty="0" err="1" smtClean="0"/>
               <a:t>const</a:t>
             </a:r>
             <a:r>
               <a:rPr lang="en-US" altLang="zh-CN" dirty="0" smtClean="0"/>
               <a:t> float PI=3.1415925;</a:t>
             </a:r>
+            <a:endParaRPr lang="en-US" altLang="zh-CN" dirty="0" smtClean="0"/>
+          </a:p>
+          <a:p>
             <a:endParaRPr lang="en-US" altLang="zh-CN" dirty="0" smtClean="0"/>
           </a:p>
           <a:p>
@@ -21365,7 +21391,7 @@
                     <a:srgbClr val="C0C0C0"/>
                   </a:outerShdw>
                 </a:effectLst>
-                <a:latin typeface="隶书" pitchFamily="49" charset="-122"/>
+                <a:latin typeface="隶书" panose="02010509060101010101" pitchFamily="49" charset="-122"/>
               </a:rPr>
               <a:t>例</a:t>
             </a:r>
@@ -21376,7 +21402,7 @@
                     <a:srgbClr val="C0C0C0"/>
                   </a:outerShdw>
                 </a:effectLst>
-                <a:latin typeface="隶书" pitchFamily="49" charset="-122"/>
+                <a:latin typeface="隶书" panose="02010509060101010101" pitchFamily="49" charset="-122"/>
               </a:rPr>
               <a:t>2-10 </a:t>
             </a:r>
@@ -23723,7 +23749,7 @@
 <file path=ppt/tags/tag1.xml><?xml version="1.0" encoding="utf-8"?>
 <p:tagLst xmlns:p="http://schemas.openxmlformats.org/presentationml/2006/main">
   <p:tag name="KSO_WPP_MARK_KEY" val="23b3de2d-210d-4ffb-8e1f-12947f76b398"/>
-  <p:tag name="COMMONDATA" val="eyJoZGlkIjoiOTNkYTYwNjllMWIzZWJkZmIwNzAyZWI5OTFkY2NkZDEifQ=="/>
+  <p:tag name="COMMONDATA" val="eyJoZGlkIjoiMDAyMjhkZWRmMjM2MTdiOTU3N2JhYzQ0MDZiZjA3NzQifQ=="/>
 </p:tagLst>
 </file>
 
